--- a/Homework 2/Visual analytics - Homework II.pptx
+++ b/Homework 2/Visual analytics - Homework II.pptx
@@ -5401,7 +5401,7 @@
             </a:pPr>
             <a:r>
               <a:rPr lang="en-US" sz="1200" dirty="0"/>
-              <a:t>Additionally, we can also note that high CO2 emissions do not guarantee high life expectancy; some countries exhibit both high CO2 emissions and low life expectancy simultaneously.</a:t>
+              <a:t>Additionally, we can also note that high CO2 emissions absolutely do not guarantee high life expectancy; some countries exhibit both high CO2 emissions and low life expectancy simultaneously.</a:t>
             </a:r>
           </a:p>
           <a:p>

--- a/Homework 2/Visual analytics - Homework II.pptx
+++ b/Homework 2/Visual analytics - Homework II.pptx
@@ -366,7 +366,7 @@
             <a:fld id="{B61BEF0D-F0BB-DE4B-95CE-6DB70DBA9567}" type="datetimeFigureOut">
               <a:rPr lang="en-US" dirty="0"/>
               <a:pPr/>
-              <a:t>10/23/2023</a:t>
+              <a:t>10/24/2023</a:t>
             </a:fld>
             <a:endParaRPr lang="en-US" dirty="0"/>
           </a:p>
@@ -625,7 +625,7 @@
             <a:fld id="{B61BEF0D-F0BB-DE4B-95CE-6DB70DBA9567}" type="datetimeFigureOut">
               <a:rPr lang="en-US" dirty="0"/>
               <a:pPr/>
-              <a:t>10/23/2023</a:t>
+              <a:t>10/24/2023</a:t>
             </a:fld>
             <a:endParaRPr lang="en-US" dirty="0"/>
           </a:p>
@@ -857,7 +857,7 @@
             <a:fld id="{B61BEF0D-F0BB-DE4B-95CE-6DB70DBA9567}" type="datetimeFigureOut">
               <a:rPr lang="en-US" dirty="0"/>
               <a:pPr/>
-              <a:t>10/23/2023</a:t>
+              <a:t>10/24/2023</a:t>
             </a:fld>
             <a:endParaRPr lang="en-US" dirty="0"/>
           </a:p>
@@ -1094,7 +1094,7 @@
             <a:fld id="{B61BEF0D-F0BB-DE4B-95CE-6DB70DBA9567}" type="datetimeFigureOut">
               <a:rPr lang="en-US" dirty="0"/>
               <a:pPr/>
-              <a:t>10/23/2023</a:t>
+              <a:t>10/24/2023</a:t>
             </a:fld>
             <a:endParaRPr lang="en-US" dirty="0"/>
           </a:p>
@@ -1398,7 +1398,7 @@
             <a:fld id="{B61BEF0D-F0BB-DE4B-95CE-6DB70DBA9567}" type="datetimeFigureOut">
               <a:rPr lang="en-US" dirty="0"/>
               <a:pPr/>
-              <a:t>10/23/2023</a:t>
+              <a:t>10/24/2023</a:t>
             </a:fld>
             <a:endParaRPr lang="en-US" dirty="0"/>
           </a:p>
@@ -1697,7 +1697,7 @@
             <a:fld id="{B61BEF0D-F0BB-DE4B-95CE-6DB70DBA9567}" type="datetimeFigureOut">
               <a:rPr lang="en-US" dirty="0"/>
               <a:pPr/>
-              <a:t>10/23/2023</a:t>
+              <a:t>10/24/2023</a:t>
             </a:fld>
             <a:endParaRPr lang="en-US" dirty="0"/>
           </a:p>
@@ -2116,7 +2116,7 @@
             <a:fld id="{B61BEF0D-F0BB-DE4B-95CE-6DB70DBA9567}" type="datetimeFigureOut">
               <a:rPr lang="en-US" dirty="0"/>
               <a:pPr/>
-              <a:t>10/23/2023</a:t>
+              <a:t>10/24/2023</a:t>
             </a:fld>
             <a:endParaRPr lang="en-US" dirty="0"/>
           </a:p>
@@ -2208,7 +2208,7 @@
             <a:fld id="{B61BEF0D-F0BB-DE4B-95CE-6DB70DBA9567}" type="datetimeFigureOut">
               <a:rPr lang="en-US" dirty="0"/>
               <a:pPr/>
-              <a:t>10/23/2023</a:t>
+              <a:t>10/24/2023</a:t>
             </a:fld>
             <a:endParaRPr lang="en-US" dirty="0"/>
           </a:p>
@@ -2367,7 +2367,7 @@
             <a:fld id="{B61BEF0D-F0BB-DE4B-95CE-6DB70DBA9567}" type="datetimeFigureOut">
               <a:rPr lang="en-US" dirty="0"/>
               <a:pPr/>
-              <a:t>10/23/2023</a:t>
+              <a:t>10/24/2023</a:t>
             </a:fld>
             <a:endParaRPr lang="en-US" dirty="0"/>
           </a:p>
@@ -2742,7 +2742,7 @@
             <a:fld id="{B61BEF0D-F0BB-DE4B-95CE-6DB70DBA9567}" type="datetimeFigureOut">
               <a:rPr lang="en-US" dirty="0"/>
               <a:pPr/>
-              <a:t>10/23/2023</a:t>
+              <a:t>10/24/2023</a:t>
             </a:fld>
             <a:endParaRPr lang="en-US" dirty="0"/>
           </a:p>
@@ -3028,7 +3028,7 @@
             <a:fld id="{B61BEF0D-F0BB-DE4B-95CE-6DB70DBA9567}" type="datetimeFigureOut">
               <a:rPr lang="en-US" dirty="0"/>
               <a:pPr/>
-              <a:t>10/23/2023</a:t>
+              <a:t>10/24/2023</a:t>
             </a:fld>
             <a:endParaRPr lang="en-US" dirty="0"/>
           </a:p>
@@ -3236,7 +3236,7 @@
             <a:fld id="{B61BEF0D-F0BB-DE4B-95CE-6DB70DBA9567}" type="datetimeFigureOut">
               <a:rPr lang="en-US" dirty="0"/>
               <a:pPr/>
-              <a:t>10/23/2023</a:t>
+              <a:t>10/24/2023</a:t>
             </a:fld>
             <a:endParaRPr lang="en-US" dirty="0"/>
           </a:p>

--- a/Homework 2/Visual analytics - Homework II.pptx
+++ b/Homework 2/Visual analytics - Homework II.pptx
@@ -366,7 +366,7 @@
             <a:fld id="{B61BEF0D-F0BB-DE4B-95CE-6DB70DBA9567}" type="datetimeFigureOut">
               <a:rPr lang="en-US" dirty="0"/>
               <a:pPr/>
-              <a:t>10/24/2023</a:t>
+              <a:t>10/29/2023</a:t>
             </a:fld>
             <a:endParaRPr lang="en-US" dirty="0"/>
           </a:p>
@@ -625,7 +625,7 @@
             <a:fld id="{B61BEF0D-F0BB-DE4B-95CE-6DB70DBA9567}" type="datetimeFigureOut">
               <a:rPr lang="en-US" dirty="0"/>
               <a:pPr/>
-              <a:t>10/24/2023</a:t>
+              <a:t>10/29/2023</a:t>
             </a:fld>
             <a:endParaRPr lang="en-US" dirty="0"/>
           </a:p>
@@ -857,7 +857,7 @@
             <a:fld id="{B61BEF0D-F0BB-DE4B-95CE-6DB70DBA9567}" type="datetimeFigureOut">
               <a:rPr lang="en-US" dirty="0"/>
               <a:pPr/>
-              <a:t>10/24/2023</a:t>
+              <a:t>10/29/2023</a:t>
             </a:fld>
             <a:endParaRPr lang="en-US" dirty="0"/>
           </a:p>
@@ -1094,7 +1094,7 @@
             <a:fld id="{B61BEF0D-F0BB-DE4B-95CE-6DB70DBA9567}" type="datetimeFigureOut">
               <a:rPr lang="en-US" dirty="0"/>
               <a:pPr/>
-              <a:t>10/24/2023</a:t>
+              <a:t>10/29/2023</a:t>
             </a:fld>
             <a:endParaRPr lang="en-US" dirty="0"/>
           </a:p>
@@ -1398,7 +1398,7 @@
             <a:fld id="{B61BEF0D-F0BB-DE4B-95CE-6DB70DBA9567}" type="datetimeFigureOut">
               <a:rPr lang="en-US" dirty="0"/>
               <a:pPr/>
-              <a:t>10/24/2023</a:t>
+              <a:t>10/29/2023</a:t>
             </a:fld>
             <a:endParaRPr lang="en-US" dirty="0"/>
           </a:p>
@@ -1697,7 +1697,7 @@
             <a:fld id="{B61BEF0D-F0BB-DE4B-95CE-6DB70DBA9567}" type="datetimeFigureOut">
               <a:rPr lang="en-US" dirty="0"/>
               <a:pPr/>
-              <a:t>10/24/2023</a:t>
+              <a:t>10/29/2023</a:t>
             </a:fld>
             <a:endParaRPr lang="en-US" dirty="0"/>
           </a:p>
@@ -2116,7 +2116,7 @@
             <a:fld id="{B61BEF0D-F0BB-DE4B-95CE-6DB70DBA9567}" type="datetimeFigureOut">
               <a:rPr lang="en-US" dirty="0"/>
               <a:pPr/>
-              <a:t>10/24/2023</a:t>
+              <a:t>10/29/2023</a:t>
             </a:fld>
             <a:endParaRPr lang="en-US" dirty="0"/>
           </a:p>
@@ -2208,7 +2208,7 @@
             <a:fld id="{B61BEF0D-F0BB-DE4B-95CE-6DB70DBA9567}" type="datetimeFigureOut">
               <a:rPr lang="en-US" dirty="0"/>
               <a:pPr/>
-              <a:t>10/24/2023</a:t>
+              <a:t>10/29/2023</a:t>
             </a:fld>
             <a:endParaRPr lang="en-US" dirty="0"/>
           </a:p>
@@ -2367,7 +2367,7 @@
             <a:fld id="{B61BEF0D-F0BB-DE4B-95CE-6DB70DBA9567}" type="datetimeFigureOut">
               <a:rPr lang="en-US" dirty="0"/>
               <a:pPr/>
-              <a:t>10/24/2023</a:t>
+              <a:t>10/29/2023</a:t>
             </a:fld>
             <a:endParaRPr lang="en-US" dirty="0"/>
           </a:p>
@@ -2742,7 +2742,7 @@
             <a:fld id="{B61BEF0D-F0BB-DE4B-95CE-6DB70DBA9567}" type="datetimeFigureOut">
               <a:rPr lang="en-US" dirty="0"/>
               <a:pPr/>
-              <a:t>10/24/2023</a:t>
+              <a:t>10/29/2023</a:t>
             </a:fld>
             <a:endParaRPr lang="en-US" dirty="0"/>
           </a:p>
@@ -3028,7 +3028,7 @@
             <a:fld id="{B61BEF0D-F0BB-DE4B-95CE-6DB70DBA9567}" type="datetimeFigureOut">
               <a:rPr lang="en-US" dirty="0"/>
               <a:pPr/>
-              <a:t>10/24/2023</a:t>
+              <a:t>10/29/2023</a:t>
             </a:fld>
             <a:endParaRPr lang="en-US" dirty="0"/>
           </a:p>
@@ -3236,7 +3236,7 @@
             <a:fld id="{B61BEF0D-F0BB-DE4B-95CE-6DB70DBA9567}" type="datetimeFigureOut">
               <a:rPr lang="en-US" dirty="0"/>
               <a:pPr/>
-              <a:t>10/24/2023</a:t>
+              <a:t>10/29/2023</a:t>
             </a:fld>
             <a:endParaRPr lang="en-US" dirty="0"/>
           </a:p>
@@ -6189,11 +6189,11 @@
             </a:r>
             <a:r>
               <a:rPr lang="en-US" dirty="0"/>
-              <a:t>, while variations in low and middle-HDI nations emphasize the importance of targete</a:t>
+              <a:t>, while variations in low and middle-HDI nations emphasize the importance of </a:t>
             </a:r>
             <a:r>
               <a:rPr lang="en-US" b="1" dirty="0"/>
-              <a:t>d interventions</a:t>
+              <a:t>targeted interventions</a:t>
             </a:r>
             <a:r>
               <a:rPr lang="en-US" dirty="0"/>
